--- a/ClassMaterials/Encapsulation/Slides/Part4-PizzaRestaurantDesignProblem.pptx
+++ b/ClassMaterials/Encapsulation/Slides/Part4-PizzaRestaurantDesignProblem.pptx
@@ -226,7 +226,7 @@
           <a:p>
             <a:fld id="{4F942F4A-6994-3A49-9461-EE810FAF072D}" type="datetimeFigureOut">
               <a:rPr lang="en-US" smtClean="0"/>
-              <a:t>3/23/2023</a:t>
+              <a:t>8/11/2023</a:t>
             </a:fld>
             <a:endParaRPr lang="en-US"/>
           </a:p>
@@ -391,7 +391,7 @@
           <a:p>
             <a:fld id="{11374350-B736-4AC1-A1E7-19777DF1B0E1}" type="datetimeFigureOut">
               <a:rPr lang="en-US" smtClean="0"/>
-              <a:t>3/23/2023</a:t>
+              <a:t>8/11/2023</a:t>
             </a:fld>
             <a:endParaRPr lang="en-US"/>
           </a:p>
@@ -1523,7 +1523,7 @@
           <a:p>
             <a:fld id="{50A519B0-864F-436F-AD10-563B5AD2C023}" type="datetimeFigureOut">
               <a:rPr lang="en-US" smtClean="0"/>
-              <a:t>3/23/2023</a:t>
+              <a:t>8/11/2023</a:t>
             </a:fld>
             <a:endParaRPr lang="en-US"/>
           </a:p>
@@ -1691,7 +1691,7 @@
           <a:p>
             <a:fld id="{50A519B0-864F-436F-AD10-563B5AD2C023}" type="datetimeFigureOut">
               <a:rPr lang="en-US" smtClean="0"/>
-              <a:t>3/23/2023</a:t>
+              <a:t>8/11/2023</a:t>
             </a:fld>
             <a:endParaRPr lang="en-US"/>
           </a:p>
@@ -1869,7 +1869,7 @@
           <a:p>
             <a:fld id="{50A519B0-864F-436F-AD10-563B5AD2C023}" type="datetimeFigureOut">
               <a:rPr lang="en-US" smtClean="0"/>
-              <a:t>3/23/2023</a:t>
+              <a:t>8/11/2023</a:t>
             </a:fld>
             <a:endParaRPr lang="en-US"/>
           </a:p>
@@ -2037,7 +2037,7 @@
           <a:p>
             <a:fld id="{50A519B0-864F-436F-AD10-563B5AD2C023}" type="datetimeFigureOut">
               <a:rPr lang="en-US" smtClean="0"/>
-              <a:t>3/23/2023</a:t>
+              <a:t>8/11/2023</a:t>
             </a:fld>
             <a:endParaRPr lang="en-US"/>
           </a:p>
@@ -2282,7 +2282,7 @@
           <a:p>
             <a:fld id="{50A519B0-864F-436F-AD10-563B5AD2C023}" type="datetimeFigureOut">
               <a:rPr lang="en-US" smtClean="0"/>
-              <a:t>3/23/2023</a:t>
+              <a:t>8/11/2023</a:t>
             </a:fld>
             <a:endParaRPr lang="en-US"/>
           </a:p>
@@ -2567,7 +2567,7 @@
           <a:p>
             <a:fld id="{50A519B0-864F-436F-AD10-563B5AD2C023}" type="datetimeFigureOut">
               <a:rPr lang="en-US" smtClean="0"/>
-              <a:t>3/23/2023</a:t>
+              <a:t>8/11/2023</a:t>
             </a:fld>
             <a:endParaRPr lang="en-US"/>
           </a:p>
@@ -2986,7 +2986,7 @@
           <a:p>
             <a:fld id="{50A519B0-864F-436F-AD10-563B5AD2C023}" type="datetimeFigureOut">
               <a:rPr lang="en-US" smtClean="0"/>
-              <a:t>3/23/2023</a:t>
+              <a:t>8/11/2023</a:t>
             </a:fld>
             <a:endParaRPr lang="en-US"/>
           </a:p>
@@ -3103,7 +3103,7 @@
           <a:p>
             <a:fld id="{50A519B0-864F-436F-AD10-563B5AD2C023}" type="datetimeFigureOut">
               <a:rPr lang="en-US" smtClean="0"/>
-              <a:t>3/23/2023</a:t>
+              <a:t>8/11/2023</a:t>
             </a:fld>
             <a:endParaRPr lang="en-US"/>
           </a:p>
@@ -3198,7 +3198,7 @@
           <a:p>
             <a:fld id="{50A519B0-864F-436F-AD10-563B5AD2C023}" type="datetimeFigureOut">
               <a:rPr lang="en-US" smtClean="0"/>
-              <a:t>3/23/2023</a:t>
+              <a:t>8/11/2023</a:t>
             </a:fld>
             <a:endParaRPr lang="en-US"/>
           </a:p>
@@ -3473,7 +3473,7 @@
           <a:p>
             <a:fld id="{50A519B0-864F-436F-AD10-563B5AD2C023}" type="datetimeFigureOut">
               <a:rPr lang="en-US" smtClean="0"/>
-              <a:t>3/23/2023</a:t>
+              <a:t>8/11/2023</a:t>
             </a:fld>
             <a:endParaRPr lang="en-US"/>
           </a:p>
@@ -3725,7 +3725,7 @@
           <a:p>
             <a:fld id="{50A519B0-864F-436F-AD10-563B5AD2C023}" type="datetimeFigureOut">
               <a:rPr lang="en-US" smtClean="0"/>
-              <a:t>3/23/2023</a:t>
+              <a:t>8/11/2023</a:t>
             </a:fld>
             <a:endParaRPr lang="en-US"/>
           </a:p>
@@ -3936,7 +3936,7 @@
           <a:p>
             <a:fld id="{50A519B0-864F-436F-AD10-563B5AD2C023}" type="datetimeFigureOut">
               <a:rPr lang="en-US" smtClean="0"/>
-              <a:t>3/23/2023</a:t>
+              <a:t>8/11/2023</a:t>
             </a:fld>
             <a:endParaRPr lang="en-US"/>
           </a:p>
@@ -4821,15 +4821,7 @@
             </a:pPr>
             <a:r>
               <a:rPr lang="en-US" dirty="0"/>
-              <a:t>Where did you put the </a:t>
-            </a:r>
-            <a:r>
-              <a:rPr lang="en-US" dirty="0" err="1"/>
-              <a:t>metod</a:t>
-            </a:r>
-            <a:r>
-              <a:rPr lang="en-US" dirty="0"/>
-              <a:t> </a:t>
+              <a:t>Where did you put the method </a:t>
             </a:r>
             <a:r>
               <a:rPr lang="en-US" i="1" dirty="0" err="1"/>
@@ -5275,7 +5267,7 @@
         <p:spPr>
           <a:xfrm>
             <a:off x="122095" y="3657600"/>
-            <a:ext cx="8564705" cy="2677656"/>
+            <a:ext cx="8805595" cy="2677656"/>
           </a:xfrm>
           <a:prstGeom prst="rect">
             <a:avLst/>
@@ -5332,11 +5324,11 @@
             </a:r>
             <a:r>
               <a:rPr lang="en-US" sz="1600" i="1" dirty="0"/>
-              <a:t>getter</a:t>
+              <a:t>getter; </a:t>
             </a:r>
             <a:r>
               <a:rPr lang="en-US" sz="1600" dirty="0"/>
-              <a:t>)</a:t>
+              <a:t>think “inert”)</a:t>
             </a:r>
           </a:p>
           <a:p>
@@ -6220,46 +6212,35 @@
         </p:spPr>
         <p:txBody>
           <a:bodyPr>
-            <a:normAutofit fontScale="92500" lnSpcReduction="10000"/>
+            <a:normAutofit lnSpcReduction="10000"/>
           </a:bodyPr>
           <a:lstStyle/>
           <a:p>
             <a:r>
               <a:rPr lang="en-US" dirty="0"/>
-              <a:t>A data class is a class that just contains getters and setters</a:t>
+              <a:t>Data class: just getters and setters</a:t>
             </a:r>
           </a:p>
           <a:p>
             <a:r>
               <a:rPr lang="en-US" dirty="0"/>
-              <a:t>Often, we think of Data Classes as violating a principle of OOD called </a:t>
+              <a:t>Violates a principle of OOD: </a:t>
             </a:r>
             <a:r>
               <a:rPr lang="en-US" b="1" i="1" dirty="0"/>
-              <a:t>encapsulation</a:t>
+              <a:t>encapsulation,</a:t>
             </a:r>
             <a:r>
               <a:rPr lang="en-US" dirty="0"/>
-              <a:t> because they aren’t in control of their own data – they are just dumb repositories for other classes to use </a:t>
-            </a:r>
-            <a:br>
-              <a:rPr lang="en-US" dirty="0"/>
-            </a:br>
+              <a:t> because they aren’t in control of their own data – they are just inert repositories for other classes to use </a:t>
+            </a:r>
             <a:r>
               <a:rPr lang="en-US" sz="1900" dirty="0"/>
-              <a:t>("dumb" means few methods, e.g., just a </a:t>
+              <a:t>(“inert" means few methods, e.g., just </a:t>
             </a:r>
             <a:r>
               <a:rPr lang="en-US" sz="1900" i="1" dirty="0"/>
-              <a:t>getters </a:t>
-            </a:r>
-            <a:r>
-              <a:rPr lang="en-US" sz="1900" dirty="0"/>
-              <a:t>and</a:t>
-            </a:r>
-            <a:r>
-              <a:rPr lang="en-US" sz="1900" i="1" dirty="0"/>
-              <a:t> setters</a:t>
+              <a:t>getters/setters</a:t>
             </a:r>
             <a:r>
               <a:rPr lang="en-US" sz="1900" dirty="0"/>
@@ -6269,7 +6250,7 @@
           <a:p>
             <a:r>
               <a:rPr lang="en-US" dirty="0"/>
-              <a:t>Usually, you can improve a data class by finding functionality to add to them by creating a method that implements that functionality</a:t>
+              <a:t>Usually, you can improve a data class by finding functionality to add to them, then creating a method that implements that functionality</a:t>
             </a:r>
           </a:p>
         </p:txBody>
@@ -7119,9 +7100,12 @@
 </file>
 
 <file path=customXml/item1.xml><?xml version="1.0" encoding="utf-8"?>
-<p:properties xmlns:p="http://schemas.microsoft.com/office/2006/metadata/properties" xmlns:xsi="http://www.w3.org/2001/XMLSchema-instance" xmlns:pc="http://schemas.microsoft.com/office/infopath/2007/PartnerControls">
-  <documentManagement/>
-</p:properties>
+<?mso-contentType ?>
+<FormTemplates xmlns="http://schemas.microsoft.com/sharepoint/v3/contenttype/forms">
+  <Display>DocumentLibraryForm</Display>
+  <Edit>DocumentLibraryForm</Edit>
+  <New>DocumentLibraryForm</New>
+</FormTemplates>
 </file>
 
 <file path=customXml/item2.xml><?xml version="1.0" encoding="utf-8"?>
@@ -7295,19 +7279,15 @@
 </file>
 
 <file path=customXml/item3.xml><?xml version="1.0" encoding="utf-8"?>
-<?mso-contentType ?>
-<FormTemplates xmlns="http://schemas.microsoft.com/sharepoint/v3/contenttype/forms">
-  <Display>DocumentLibraryForm</Display>
-  <Edit>DocumentLibraryForm</Edit>
-  <New>DocumentLibraryForm</New>
-</FormTemplates>
+<p:properties xmlns:p="http://schemas.microsoft.com/office/2006/metadata/properties" xmlns:xsi="http://www.w3.org/2001/XMLSchema-instance" xmlns:pc="http://schemas.microsoft.com/office/infopath/2007/PartnerControls">
+  <documentManagement/>
+</p:properties>
 </file>
 
 <file path=customXml/itemProps1.xml><?xml version="1.0" encoding="utf-8"?>
-<ds:datastoreItem xmlns:ds="http://schemas.openxmlformats.org/officeDocument/2006/customXml" ds:itemID="{A396EFD4-1250-457A-AB4B-16A5266B50A5}">
+<ds:datastoreItem xmlns:ds="http://schemas.openxmlformats.org/officeDocument/2006/customXml" ds:itemID="{B83796DB-86E9-4D44-9BCB-A762264A5AFE}">
   <ds:schemaRefs>
-    <ds:schemaRef ds:uri="http://schemas.microsoft.com/office/2006/metadata/properties"/>
-    <ds:schemaRef ds:uri="http://schemas.microsoft.com/office/infopath/2007/PartnerControls"/>
+    <ds:schemaRef ds:uri="http://schemas.microsoft.com/sharepoint/v3/contenttype/forms"/>
   </ds:schemaRefs>
 </ds:datastoreItem>
 </file>
@@ -7331,9 +7311,10 @@
 </file>
 
 <file path=customXml/itemProps3.xml><?xml version="1.0" encoding="utf-8"?>
-<ds:datastoreItem xmlns:ds="http://schemas.openxmlformats.org/officeDocument/2006/customXml" ds:itemID="{B83796DB-86E9-4D44-9BCB-A762264A5AFE}">
+<ds:datastoreItem xmlns:ds="http://schemas.openxmlformats.org/officeDocument/2006/customXml" ds:itemID="{A396EFD4-1250-457A-AB4B-16A5266B50A5}">
   <ds:schemaRefs>
-    <ds:schemaRef ds:uri="http://schemas.microsoft.com/sharepoint/v3/contenttype/forms"/>
+    <ds:schemaRef ds:uri="http://schemas.microsoft.com/office/2006/metadata/properties"/>
+    <ds:schemaRef ds:uri="http://schemas.microsoft.com/office/infopath/2007/PartnerControls"/>
   </ds:schemaRefs>
 </ds:datastoreItem>
 </file>
--- a/ClassMaterials/Encapsulation/Slides/Part4-PizzaRestaurantDesignProblem.pptx
+++ b/ClassMaterials/Encapsulation/Slides/Part4-PizzaRestaurantDesignProblem.pptx
@@ -226,7 +226,7 @@
           <a:p>
             <a:fld id="{4F942F4A-6994-3A49-9461-EE810FAF072D}" type="datetimeFigureOut">
               <a:rPr lang="en-US" smtClean="0"/>
-              <a:t>8/11/2023</a:t>
+              <a:t>12/10/2023</a:t>
             </a:fld>
             <a:endParaRPr lang="en-US"/>
           </a:p>
@@ -391,7 +391,7 @@
           <a:p>
             <a:fld id="{11374350-B736-4AC1-A1E7-19777DF1B0E1}" type="datetimeFigureOut">
               <a:rPr lang="en-US" smtClean="0"/>
-              <a:t>8/11/2023</a:t>
+              <a:t>12/10/2023</a:t>
             </a:fld>
             <a:endParaRPr lang="en-US"/>
           </a:p>
@@ -1198,20 +1198,11 @@
           <a:p>
             <a:r>
               <a:rPr lang="en-US" dirty="0"/>
-              <a:t>Mention</a:t>
-            </a:r>
-            <a:r>
-              <a:rPr lang="en-US" baseline="0" dirty="0"/>
-              <a:t> that we are omitting </a:t>
-            </a:r>
-            <a:r>
-              <a:rPr lang="en-US" baseline="0" dirty="0" err="1"/>
-              <a:t>PizzaMain</a:t>
-            </a:r>
-            <a:r>
-              <a:rPr lang="en-US" baseline="0" dirty="0"/>
-              <a:t> here for space, but that it normally should be included</a:t>
-            </a:r>
+              <a:t>https://www.plantuml.com/plantuml/uml/JP31IiGm48RlynHXJwtO5oXILkfHgw3WUMo6tK2QASc4XOhlxXZRxLu2cVpVzuSv9i4eUV8mUap9lBbbmHTqmNp36OFrr4T2eO4khz5IhCQSX2UAJoXOhv57QmjNyLzaoDEz4Pvd5qwfXXzOrOLNxMOOSABMl4lK75WKlQYKu4JISvAgRetb_ELfLvGMLMpsrZox90__ZWwIMrJYWkn4ptdce8XrQUGSvFFCdifNDltrwUDgtNltVJIMBw7fpE7kO0eFvMmw7QmrjvC20XmfMDtkBm00</a:t>
+            </a:r>
+            <a:endParaRPr lang="en-US" baseline="0" dirty="0"/>
+          </a:p>
+          <a:p>
             <a:endParaRPr lang="en-US" dirty="0"/>
           </a:p>
         </p:txBody>
@@ -1296,6 +1287,16 @@
           <a:bodyPr/>
           <a:lstStyle/>
           <a:p>
+            <a:r>
+              <a:rPr lang="en-US" dirty="0"/>
+              <a:t>https://www.plantuml.com/plantuml/uml/HL3DQiCm3BxhAKnFoLXUe8pGqHwtRB32pbeiMaDi5qkcaD5tdnQxgGy2V_f--BHZmIJPJp1Eo6m-tJpZExfWVk6CmKwqJuH20rq_agNKZ9abUae756mhvTNQHTV4VygG_REHUBcuSE8MRb2j5xtQtXq6zBGrNvAK1nP5FmUTO1sFCGVvFiU95j7Ms9X_fiVgMDtNnOba7rcQTaLgR6saiR9gtXpBIydjWTsimIu8YFDqZALkqnRi1leUD-bil8QkDvkdJQa3o-nw1KeGx2XOFUSV</a:t>
+            </a:r>
+            <a:br>
+              <a:rPr lang="en-US" dirty="0"/>
+            </a:br>
+            <a:br>
+              <a:rPr lang="en-US" dirty="0"/>
+            </a:br>
             <a:r>
               <a:rPr lang="en-US" dirty="0"/>
               <a:t>If we are planning to expand the coupon class later, then it may make sense to create a class for it to be prepared to re-use and</a:t>
@@ -1523,7 +1524,7 @@
           <a:p>
             <a:fld id="{50A519B0-864F-436F-AD10-563B5AD2C023}" type="datetimeFigureOut">
               <a:rPr lang="en-US" smtClean="0"/>
-              <a:t>8/11/2023</a:t>
+              <a:t>12/10/2023</a:t>
             </a:fld>
             <a:endParaRPr lang="en-US"/>
           </a:p>
@@ -1691,7 +1692,7 @@
           <a:p>
             <a:fld id="{50A519B0-864F-436F-AD10-563B5AD2C023}" type="datetimeFigureOut">
               <a:rPr lang="en-US" smtClean="0"/>
-              <a:t>8/11/2023</a:t>
+              <a:t>12/10/2023</a:t>
             </a:fld>
             <a:endParaRPr lang="en-US"/>
           </a:p>
@@ -1869,7 +1870,7 @@
           <a:p>
             <a:fld id="{50A519B0-864F-436F-AD10-563B5AD2C023}" type="datetimeFigureOut">
               <a:rPr lang="en-US" smtClean="0"/>
-              <a:t>8/11/2023</a:t>
+              <a:t>12/10/2023</a:t>
             </a:fld>
             <a:endParaRPr lang="en-US"/>
           </a:p>
@@ -2037,7 +2038,7 @@
           <a:p>
             <a:fld id="{50A519B0-864F-436F-AD10-563B5AD2C023}" type="datetimeFigureOut">
               <a:rPr lang="en-US" smtClean="0"/>
-              <a:t>8/11/2023</a:t>
+              <a:t>12/10/2023</a:t>
             </a:fld>
             <a:endParaRPr lang="en-US"/>
           </a:p>
@@ -2282,7 +2283,7 @@
           <a:p>
             <a:fld id="{50A519B0-864F-436F-AD10-563B5AD2C023}" type="datetimeFigureOut">
               <a:rPr lang="en-US" smtClean="0"/>
-              <a:t>8/11/2023</a:t>
+              <a:t>12/10/2023</a:t>
             </a:fld>
             <a:endParaRPr lang="en-US"/>
           </a:p>
@@ -2567,7 +2568,7 @@
           <a:p>
             <a:fld id="{50A519B0-864F-436F-AD10-563B5AD2C023}" type="datetimeFigureOut">
               <a:rPr lang="en-US" smtClean="0"/>
-              <a:t>8/11/2023</a:t>
+              <a:t>12/10/2023</a:t>
             </a:fld>
             <a:endParaRPr lang="en-US"/>
           </a:p>
@@ -2986,7 +2987,7 @@
           <a:p>
             <a:fld id="{50A519B0-864F-436F-AD10-563B5AD2C023}" type="datetimeFigureOut">
               <a:rPr lang="en-US" smtClean="0"/>
-              <a:t>8/11/2023</a:t>
+              <a:t>12/10/2023</a:t>
             </a:fld>
             <a:endParaRPr lang="en-US"/>
           </a:p>
@@ -3103,7 +3104,7 @@
           <a:p>
             <a:fld id="{50A519B0-864F-436F-AD10-563B5AD2C023}" type="datetimeFigureOut">
               <a:rPr lang="en-US" smtClean="0"/>
-              <a:t>8/11/2023</a:t>
+              <a:t>12/10/2023</a:t>
             </a:fld>
             <a:endParaRPr lang="en-US"/>
           </a:p>
@@ -3198,7 +3199,7 @@
           <a:p>
             <a:fld id="{50A519B0-864F-436F-AD10-563B5AD2C023}" type="datetimeFigureOut">
               <a:rPr lang="en-US" smtClean="0"/>
-              <a:t>8/11/2023</a:t>
+              <a:t>12/10/2023</a:t>
             </a:fld>
             <a:endParaRPr lang="en-US"/>
           </a:p>
@@ -3473,7 +3474,7 @@
           <a:p>
             <a:fld id="{50A519B0-864F-436F-AD10-563B5AD2C023}" type="datetimeFigureOut">
               <a:rPr lang="en-US" smtClean="0"/>
-              <a:t>8/11/2023</a:t>
+              <a:t>12/10/2023</a:t>
             </a:fld>
             <a:endParaRPr lang="en-US"/>
           </a:p>
@@ -3725,7 +3726,7 @@
           <a:p>
             <a:fld id="{50A519B0-864F-436F-AD10-563B5AD2C023}" type="datetimeFigureOut">
               <a:rPr lang="en-US" smtClean="0"/>
-              <a:t>8/11/2023</a:t>
+              <a:t>12/10/2023</a:t>
             </a:fld>
             <a:endParaRPr lang="en-US"/>
           </a:p>
@@ -3936,7 +3937,7 @@
           <a:p>
             <a:fld id="{50A519B0-864F-436F-AD10-563B5AD2C023}" type="datetimeFigureOut">
               <a:rPr lang="en-US" smtClean="0"/>
-              <a:t>8/11/2023</a:t>
+              <a:t>12/10/2023</a:t>
             </a:fld>
             <a:endParaRPr lang="en-US"/>
           </a:p>
@@ -5966,8 +5967,12 @@
       </p:sp>
       <p:pic>
         <p:nvPicPr>
-          <p:cNvPr id="2050" name="Picture 2" descr="https://lh3.googleusercontent.com/4Vx7bGucBYi5Kw73kIr3TQSqxSwYSE2RooiuCPItZ-MhQxFzjFJYbLcUyfQBH1DXDz_mK3q6Jyfo4Ctcc5L6xe_6D-abrlyw3RFlFvYm-hgg6XddgFG7Bo1HrYqj5JNWyfbJrInt">
-            <a:hlinkClick r:id="rId3"/>
+          <p:cNvPr id="1026" name="Picture 2" descr="PlantUML diagram">
+            <a:extLst>
+              <a:ext uri="{FF2B5EF4-FFF2-40B4-BE49-F238E27FC236}">
+                <a16:creationId xmlns:a16="http://schemas.microsoft.com/office/drawing/2014/main" id="{23FFE424-213D-ED38-D7EF-9D0677B11D4B}"/>
+              </a:ext>
+            </a:extLst>
           </p:cNvPr>
           <p:cNvPicPr>
             <a:picLocks noChangeAspect="1" noChangeArrowheads="1"/>
@@ -5975,7 +5980,7 @@
           <p:nvPr/>
         </p:nvPicPr>
         <p:blipFill>
-          <a:blip r:embed="rId4">
+          <a:blip r:embed="rId3">
             <a:extLst>
               <a:ext uri="{28A0092B-C50C-407E-A947-70E740481C1C}">
                 <a14:useLocalDpi xmlns:a14="http://schemas.microsoft.com/office/drawing/2010/main" val="0"/>
@@ -5989,8 +5994,8 @@
         </p:blipFill>
         <p:spPr bwMode="auto">
           <a:xfrm>
-            <a:off x="457200" y="4257674"/>
-            <a:ext cx="8212812" cy="2143126"/>
+            <a:off x="539433" y="3790633"/>
+            <a:ext cx="6772275" cy="2381250"/>
           </a:xfrm>
           <a:prstGeom prst="rect">
             <a:avLst/>
@@ -6069,7 +6074,12 @@
             <p:ph idx="1"/>
           </p:nvPr>
         </p:nvSpPr>
-        <p:spPr/>
+        <p:spPr>
+          <a:xfrm>
+            <a:off x="137159" y="1200067"/>
+            <a:ext cx="8229600" cy="4525963"/>
+          </a:xfrm>
+        </p:spPr>
         <p:txBody>
           <a:bodyPr/>
           <a:lstStyle/>
@@ -6099,8 +6109,12 @@
       </p:sp>
       <p:pic>
         <p:nvPicPr>
-          <p:cNvPr id="3074" name="Picture 2" descr="https://lh6.googleusercontent.com/aXiyBHn_4okXRPbLGaBD02Z7fyFLhPMyrqUp5ShNEITMVVgU1ZvK3bTQKVog9-Cr5yjtIrQWyYxbzZe-qoOxW9iNkCggCH2Awm5EUYBpnkT8SkxogqINOtinMXIFt8gpkkpnF-7T">
-            <a:hlinkClick r:id="rId3"/>
+          <p:cNvPr id="2050" name="Picture 2" descr="PlantUML diagram">
+            <a:extLst>
+              <a:ext uri="{FF2B5EF4-FFF2-40B4-BE49-F238E27FC236}">
+                <a16:creationId xmlns:a16="http://schemas.microsoft.com/office/drawing/2014/main" id="{ADB88748-3FCB-5387-EA0F-2437D57179AE}"/>
+              </a:ext>
+            </a:extLst>
           </p:cNvPr>
           <p:cNvPicPr>
             <a:picLocks noChangeAspect="1" noChangeArrowheads="1"/>
@@ -6108,7 +6122,7 @@
           <p:nvPr/>
         </p:nvPicPr>
         <p:blipFill>
-          <a:blip r:embed="rId4">
+          <a:blip r:embed="rId3">
             <a:extLst>
               <a:ext uri="{28A0092B-C50C-407E-A947-70E740481C1C}">
                 <a14:useLocalDpi xmlns:a14="http://schemas.microsoft.com/office/drawing/2010/main" val="0"/>
@@ -6122,8 +6136,8 @@
         </p:blipFill>
         <p:spPr bwMode="auto">
           <a:xfrm>
-            <a:off x="990600" y="3505200"/>
-            <a:ext cx="6776708" cy="2209800"/>
+            <a:off x="777241" y="3182855"/>
+            <a:ext cx="5244880" cy="3085865"/>
           </a:xfrm>
           <a:prstGeom prst="rect">
             <a:avLst/>
@@ -7100,12 +7114,9 @@
 </file>
 
 <file path=customXml/item1.xml><?xml version="1.0" encoding="utf-8"?>
-<?mso-contentType ?>
-<FormTemplates xmlns="http://schemas.microsoft.com/sharepoint/v3/contenttype/forms">
-  <Display>DocumentLibraryForm</Display>
-  <Edit>DocumentLibraryForm</Edit>
-  <New>DocumentLibraryForm</New>
-</FormTemplates>
+<p:properties xmlns:p="http://schemas.microsoft.com/office/2006/metadata/properties" xmlns:xsi="http://www.w3.org/2001/XMLSchema-instance" xmlns:pc="http://schemas.microsoft.com/office/infopath/2007/PartnerControls">
+  <documentManagement/>
+</p:properties>
 </file>
 
 <file path=customXml/item2.xml><?xml version="1.0" encoding="utf-8"?>
@@ -7279,15 +7290,19 @@
 </file>
 
 <file path=customXml/item3.xml><?xml version="1.0" encoding="utf-8"?>
-<p:properties xmlns:p="http://schemas.microsoft.com/office/2006/metadata/properties" xmlns:xsi="http://www.w3.org/2001/XMLSchema-instance" xmlns:pc="http://schemas.microsoft.com/office/infopath/2007/PartnerControls">
-  <documentManagement/>
-</p:properties>
+<?mso-contentType ?>
+<FormTemplates xmlns="http://schemas.microsoft.com/sharepoint/v3/contenttype/forms">
+  <Display>DocumentLibraryForm</Display>
+  <Edit>DocumentLibraryForm</Edit>
+  <New>DocumentLibraryForm</New>
+</FormTemplates>
 </file>
 
 <file path=customXml/itemProps1.xml><?xml version="1.0" encoding="utf-8"?>
-<ds:datastoreItem xmlns:ds="http://schemas.openxmlformats.org/officeDocument/2006/customXml" ds:itemID="{B83796DB-86E9-4D44-9BCB-A762264A5AFE}">
+<ds:datastoreItem xmlns:ds="http://schemas.openxmlformats.org/officeDocument/2006/customXml" ds:itemID="{A396EFD4-1250-457A-AB4B-16A5266B50A5}">
   <ds:schemaRefs>
-    <ds:schemaRef ds:uri="http://schemas.microsoft.com/sharepoint/v3/contenttype/forms"/>
+    <ds:schemaRef ds:uri="http://schemas.microsoft.com/office/2006/metadata/properties"/>
+    <ds:schemaRef ds:uri="http://schemas.microsoft.com/office/infopath/2007/PartnerControls"/>
   </ds:schemaRefs>
 </ds:datastoreItem>
 </file>
@@ -7311,10 +7326,9 @@
 </file>
 
 <file path=customXml/itemProps3.xml><?xml version="1.0" encoding="utf-8"?>
-<ds:datastoreItem xmlns:ds="http://schemas.openxmlformats.org/officeDocument/2006/customXml" ds:itemID="{A396EFD4-1250-457A-AB4B-16A5266B50A5}">
+<ds:datastoreItem xmlns:ds="http://schemas.openxmlformats.org/officeDocument/2006/customXml" ds:itemID="{B83796DB-86E9-4D44-9BCB-A762264A5AFE}">
   <ds:schemaRefs>
-    <ds:schemaRef ds:uri="http://schemas.microsoft.com/office/2006/metadata/properties"/>
-    <ds:schemaRef ds:uri="http://schemas.microsoft.com/office/infopath/2007/PartnerControls"/>
+    <ds:schemaRef ds:uri="http://schemas.microsoft.com/sharepoint/v3/contenttype/forms"/>
   </ds:schemaRefs>
 </ds:datastoreItem>
 </file>